--- a/Presentation.pptx
+++ b/Presentation.pptx
@@ -309,6 +309,62 @@
 </p:handoutMaster>
 </file>
 
+<file path=ppt/ink/ink1.xml><?xml version="1.0" encoding="utf-8"?>
+<inkml:ink xmlns:inkml="http://www.w3.org/2003/InkML">
+  <inkml:definitions>
+    <inkml:context xml:id="ctx0">
+      <inkml:inkSource xml:id="inkSrc0">
+        <inkml:traceFormat>
+          <inkml:channel name="X" type="integer" min="-2.14748E9" max="2.14748E9" units="cm"/>
+          <inkml:channel name="Y" type="integer" min="-2.14748E9" max="2.14748E9" units="cm"/>
+          <inkml:channel name="F" type="integer" max="32767" units="dev"/>
+        </inkml:traceFormat>
+        <inkml:channelProperties>
+          <inkml:channelProperty channel="X" name="resolution" value="1000" units="1/cm"/>
+          <inkml:channelProperty channel="Y" name="resolution" value="1000" units="1/cm"/>
+          <inkml:channelProperty channel="F" name="resolution" value="0" units="1/dev"/>
+        </inkml:channelProperties>
+      </inkml:inkSource>
+      <inkml:timestamp xml:id="ts0" timeString="2022-01-30T16:45:11.155"/>
+    </inkml:context>
+    <inkml:brush xml:id="br0">
+      <inkml:brushProperty name="width" value="0.1" units="cm"/>
+      <inkml:brushProperty name="height" value="0.1" units="cm"/>
+      <inkml:brushProperty name="color" value="#00A0D7"/>
+    </inkml:brush>
+  </inkml:definitions>
+  <inkml:trace contextRef="#ctx0" brushRef="#br0">0 628 24575,'0'-22'0,"0"-2"0,7-6 0,1 1 0,7 0 0,6-1 0,2 1 0,-1 0 0,6-1 0,-12 1 0,12 6 0,-5-5 0,-2 14 0,6-13 0,-14 14 0,14-8 0,-6 8 0,2-8 0,5 5 0,-5-5 0,-2 8 0,18-3 0,-23 4 0,23-4 0,-18 3 0,8-1 0,0-1 0,-8 7 0,6-5 0,-14 6 0,14 0 0,-14 2 0,6 0 0,-8 4 0,-1-4 0,1 5 0,8 0 0,-6 0 0,6 0 0,-8 0 0,7 0 0,-5 0 0,14 0 0,-14 0 0,14 0 0,-14 0 0,14 0 0,-14 0 0,14 7 0,-14-1 0,6 7 0,0-1 0,-6-1 0,6 2 0,-9-3 0,1 1 0,0 0 0,-1-1 0,1 1 0,0 0 0,-1-1 0,9 9 0,-6-6 0,6 6 0,-6 0 0,-2-6 0,9 8 0,-7-10 0,8 9 0,-2-5 0,-4 4 0,12-4 0,-6 4 0,8-3 0,1 5 0,-1 1 0,12 4 0,-8 4 0,20-2 0,-22-1 0,22 1 0,-22 1 0,22 8 0,-21-14 0,21 12 0,-21-18 0,10 8 0,-13-10 0,0-1 0,-8-1 0,6 2 0,-14-4 0,14 3 0,-5-1 0,-1 0 0,6 1 0,-6-8 0,8 7 0,-8-6 0,6 0 0,-6 5 0,9-4 0,-9 0 0,6 5 0,-14-11 0,6 4 0,0-6 0,-6 0 0,14 0 0,-14 0 0,14 0 0,-14 0 0,6 0 0,-1 0 0,4 0 0,-1 0 0,6 0 0,-6 0 0,0 0 0,6 0 0,-6 0 0,0 0 0,6 0 0,-14-5 0,14 4 0,-6-10 0,0 9 0,7-11 0,-7 5 0,8 0 0,0-5 0,0 11 0,-8-9 0,6 3 0,-5 2 0,-1-5 0,6 10 0,-6-11 0,0 11 0,-2-11 0,-8 11 0,-1-8 0,1 7 0,0-2 0,-1 4 0,1-5 0,0 4 0,-1-9 0,1 9 0,0-8 0,-1 7 0,1-7 0,0 8 0,-2-4 0,2 0 0,-2 4 0,-7-4 0,-8 5 0,1 0 0,-5 0 0</inkml:trace>
+</inkml:ink>
+</file>
+
+<file path=ppt/ink/ink2.xml><?xml version="1.0" encoding="utf-8"?>
+<inkml:ink xmlns:inkml="http://www.w3.org/2003/InkML">
+  <inkml:definitions>
+    <inkml:context xml:id="ctx0">
+      <inkml:inkSource xml:id="inkSrc0">
+        <inkml:traceFormat>
+          <inkml:channel name="X" type="integer" min="-2.14748E9" max="2.14748E9" units="cm"/>
+          <inkml:channel name="Y" type="integer" min="-2.14748E9" max="2.14748E9" units="cm"/>
+          <inkml:channel name="F" type="integer" max="32767" units="dev"/>
+        </inkml:traceFormat>
+        <inkml:channelProperties>
+          <inkml:channelProperty channel="X" name="resolution" value="1000" units="1/cm"/>
+          <inkml:channelProperty channel="Y" name="resolution" value="1000" units="1/cm"/>
+          <inkml:channelProperty channel="F" name="resolution" value="0" units="1/dev"/>
+        </inkml:channelProperties>
+      </inkml:inkSource>
+      <inkml:timestamp xml:id="ts0" timeString="2022-01-30T16:45:13.535"/>
+    </inkml:context>
+    <inkml:brush xml:id="br0">
+      <inkml:brushProperty name="width" value="0.1" units="cm"/>
+      <inkml:brushProperty name="height" value="0.1" units="cm"/>
+      <inkml:brushProperty name="color" value="#00A0D7"/>
+    </inkml:brush>
+  </inkml:definitions>
+  <inkml:trace contextRef="#ctx0" brushRef="#br0">0 0 24575,'21'0'0,"13"0"0,-1 0 0,19 0 0,-19 0 0,35 0 0,-20 0 0,12 0 0,8 10 0,-20 1 0,23 9 0,-15-1 0,-12-2 0,9 1 0,-21-3 0,9 2 0,-11-3 0,-1 1 0,-8-7 0,6 5 0,-14-11 0,6 9 0,-1-10 0,-5 4 0,6-5 0,-9 0 0,1 4 0,0-2 0,-1 2 0,1-4 0,-1 0 0,-5 4 0,-1 0 0,-4 3 0,0 1 0,-4 0 0,-1-3 0,-5 3 0,-1-6 0,1 7 0,-1-3 0,0 5 0,-8 1 0,7-1 0,-15 3 0,6-1 0,-1 0 0,-5 1 0,14-3 0,-14 4 0,15-4 0,-7 1 0,8-1 0,0-5 0,1 3 0,-9-1 0,6 3 0,-6-3 0,8 1 0,1-3 0,-1 5 0,0-1 0,1 1 0,-1 0 0,0-1 0,1 1 0,-1 0 0,5-1 0,-3-4 0,3 4 0,0-4 0,-4 4 0,5-4 0,-1 3 0,-4-7 0,9 7 0,-8-3 0,7 4 0,-7-5 0,8 4 0,-9-8 0,4 4 0,0 0 0,-3 0 0,4 5 0,-1 1 0,-2-2 0,7 0 0,-7-4 0,7 3 0,-9-7 0,9 7 0,-9-7 0,9 7 0,-3-3 0,-1 1 0,4 3 0,-8-5 0,8 5 0,-6-4 0,6 2 0,-3-2 0,-1 0 0,4 2 0,-4-2 0,2 3 0,2 1 0,-7-5 0,6 4 0,-2-3 0,-1-1 0,4 0 0,-4-4 0</inkml:trace>
+</inkml:ink>
+</file>
+
 <file path=ppt/notesMasters/notesMaster1.xml><?xml version="1.0" encoding="utf-8"?>
 <p:notesMaster xmlns:a="http://schemas.openxmlformats.org/drawingml/2006/main" xmlns:r="http://schemas.openxmlformats.org/officeDocument/2006/relationships" xmlns:p="http://schemas.openxmlformats.org/presentationml/2006/main">
   <p:cSld>
@@ -842,14 +898,14 @@
           </a:ln>
           <a:extLst>
             <a:ext uri="{909E8E84-426E-40dd-AFC4-6F175D3DCCD1}">
-              <a14:hiddenFill xmlns:a14="http://schemas.microsoft.com/office/drawing/2010/main" xmlns="">
+              <a14:hiddenFill xmlns="" xmlns:a14="http://schemas.microsoft.com/office/drawing/2010/main">
                 <a:solidFill>
                   <a:srgbClr val="FFFFFF"/>
                 </a:solidFill>
               </a14:hiddenFill>
             </a:ext>
             <a:ext uri="{91240B29-F687-4f45-9708-019B960494DF}">
-              <a14:hiddenLine xmlns:a14="http://schemas.microsoft.com/office/drawing/2010/main" xmlns="" w="9525">
+              <a14:hiddenLine xmlns="" xmlns:a14="http://schemas.microsoft.com/office/drawing/2010/main" w="9525">
                 <a:solidFill>
                   <a:srgbClr val="000000"/>
                 </a:solidFill>
@@ -1263,14 +1319,14 @@
           </a:ln>
           <a:extLst>
             <a:ext uri="{909E8E84-426E-40dd-AFC4-6F175D3DCCD1}">
-              <a14:hiddenFill xmlns:a14="http://schemas.microsoft.com/office/drawing/2010/main" xmlns="">
+              <a14:hiddenFill xmlns="" xmlns:a14="http://schemas.microsoft.com/office/drawing/2010/main">
                 <a:solidFill>
                   <a:srgbClr val="FFFFFF"/>
                 </a:solidFill>
               </a14:hiddenFill>
             </a:ext>
             <a:ext uri="{91240B29-F687-4f45-9708-019B960494DF}">
-              <a14:hiddenLine xmlns:a14="http://schemas.microsoft.com/office/drawing/2010/main" xmlns="" w="9525">
+              <a14:hiddenLine xmlns="" xmlns:a14="http://schemas.microsoft.com/office/drawing/2010/main" w="9525">
                 <a:solidFill>
                   <a:srgbClr val="000000"/>
                 </a:solidFill>
@@ -5200,7 +5256,7 @@
             </a:pPr>
             <a:r>
               <a:rPr lang="en-GB" dirty="0"/>
-              <a:t>low latent space dimensions work best</a:t>
+              <a:t>latent space dimensions</a:t>
             </a:r>
           </a:p>
           <a:p>
@@ -5212,6 +5268,339 @@
           </a:p>
         </p:txBody>
       </p:sp>
+      <p:pic>
+        <p:nvPicPr>
+          <p:cNvPr id="21" name="Imagen 20">
+            <a:extLst>
+              <a:ext uri="{FF2B5EF4-FFF2-40B4-BE49-F238E27FC236}">
+                <a16:creationId xmlns:a16="http://schemas.microsoft.com/office/drawing/2014/main" id="{E7B5C94F-D298-E44E-B5D1-3E0DCA658CCF}"/>
+              </a:ext>
+            </a:extLst>
+          </p:cNvPr>
+          <p:cNvPicPr>
+            <a:picLocks noChangeAspect="1"/>
+          </p:cNvPicPr>
+          <p:nvPr/>
+        </p:nvPicPr>
+        <p:blipFill>
+          <a:blip r:embed="rId2"/>
+          <a:stretch>
+            <a:fillRect/>
+          </a:stretch>
+        </p:blipFill>
+        <p:spPr>
+          <a:xfrm>
+            <a:off x="810565" y="4511452"/>
+            <a:ext cx="2281716" cy="1711287"/>
+          </a:xfrm>
+          <a:prstGeom prst="rect">
+            <a:avLst/>
+          </a:prstGeom>
+        </p:spPr>
+      </p:pic>
+      <p:pic>
+        <p:nvPicPr>
+          <p:cNvPr id="23" name="Imagen 22">
+            <a:extLst>
+              <a:ext uri="{FF2B5EF4-FFF2-40B4-BE49-F238E27FC236}">
+                <a16:creationId xmlns:a16="http://schemas.microsoft.com/office/drawing/2014/main" id="{3AE1B52C-D301-3842-8C6F-902F1E150D18}"/>
+              </a:ext>
+            </a:extLst>
+          </p:cNvPr>
+          <p:cNvPicPr>
+            <a:picLocks noChangeAspect="1"/>
+          </p:cNvPicPr>
+          <p:nvPr/>
+        </p:nvPicPr>
+        <p:blipFill>
+          <a:blip r:embed="rId3"/>
+          <a:stretch>
+            <a:fillRect/>
+          </a:stretch>
+        </p:blipFill>
+        <p:spPr>
+          <a:xfrm>
+            <a:off x="4360817" y="4551474"/>
+            <a:ext cx="2281716" cy="1711287"/>
+          </a:xfrm>
+          <a:prstGeom prst="rect">
+            <a:avLst/>
+          </a:prstGeom>
+        </p:spPr>
+      </p:pic>
+      <p:pic>
+        <p:nvPicPr>
+          <p:cNvPr id="27" name="Imagen 26">
+            <a:extLst>
+              <a:ext uri="{FF2B5EF4-FFF2-40B4-BE49-F238E27FC236}">
+                <a16:creationId xmlns:a16="http://schemas.microsoft.com/office/drawing/2014/main" id="{A353C203-2927-B640-99E7-A6FB80E77BD2}"/>
+              </a:ext>
+            </a:extLst>
+          </p:cNvPr>
+          <p:cNvPicPr>
+            <a:picLocks noChangeAspect="1"/>
+          </p:cNvPicPr>
+          <p:nvPr/>
+        </p:nvPicPr>
+        <p:blipFill>
+          <a:blip r:embed="rId4"/>
+          <a:stretch>
+            <a:fillRect/>
+          </a:stretch>
+        </p:blipFill>
+        <p:spPr>
+          <a:xfrm>
+            <a:off x="8355283" y="4546295"/>
+            <a:ext cx="2281716" cy="1711287"/>
+          </a:xfrm>
+          <a:prstGeom prst="rect">
+            <a:avLst/>
+          </a:prstGeom>
+        </p:spPr>
+      </p:pic>
+      <p:pic>
+        <p:nvPicPr>
+          <p:cNvPr id="29" name="Imagen 28">
+            <a:extLst>
+              <a:ext uri="{FF2B5EF4-FFF2-40B4-BE49-F238E27FC236}">
+                <a16:creationId xmlns:a16="http://schemas.microsoft.com/office/drawing/2014/main" id="{E1B446B0-3671-A94F-9AC8-98700707DD32}"/>
+              </a:ext>
+            </a:extLst>
+          </p:cNvPr>
+          <p:cNvPicPr>
+            <a:picLocks noChangeAspect="1"/>
+          </p:cNvPicPr>
+          <p:nvPr/>
+        </p:nvPicPr>
+        <p:blipFill>
+          <a:blip r:embed="rId5"/>
+          <a:stretch>
+            <a:fillRect/>
+          </a:stretch>
+        </p:blipFill>
+        <p:spPr>
+          <a:xfrm>
+            <a:off x="8355284" y="2800165"/>
+            <a:ext cx="2281715" cy="1711287"/>
+          </a:xfrm>
+          <a:prstGeom prst="rect">
+            <a:avLst/>
+          </a:prstGeom>
+        </p:spPr>
+      </p:pic>
+      <p:pic>
+        <p:nvPicPr>
+          <p:cNvPr id="31" name="Imagen 30">
+            <a:extLst>
+              <a:ext uri="{FF2B5EF4-FFF2-40B4-BE49-F238E27FC236}">
+                <a16:creationId xmlns:a16="http://schemas.microsoft.com/office/drawing/2014/main" id="{E76A6E63-CCAB-D14D-A882-539285F4752C}"/>
+              </a:ext>
+            </a:extLst>
+          </p:cNvPr>
+          <p:cNvPicPr>
+            <a:picLocks noChangeAspect="1"/>
+          </p:cNvPicPr>
+          <p:nvPr/>
+        </p:nvPicPr>
+        <p:blipFill>
+          <a:blip r:embed="rId6"/>
+          <a:stretch>
+            <a:fillRect/>
+          </a:stretch>
+        </p:blipFill>
+        <p:spPr>
+          <a:xfrm>
+            <a:off x="10280519" y="2800165"/>
+            <a:ext cx="2199364" cy="1649523"/>
+          </a:xfrm>
+          <a:prstGeom prst="rect">
+            <a:avLst/>
+          </a:prstGeom>
+        </p:spPr>
+      </p:pic>
+      <p:pic>
+        <p:nvPicPr>
+          <p:cNvPr id="33" name="Imagen 32">
+            <a:extLst>
+              <a:ext uri="{FF2B5EF4-FFF2-40B4-BE49-F238E27FC236}">
+                <a16:creationId xmlns:a16="http://schemas.microsoft.com/office/drawing/2014/main" id="{3A56F3F3-E52E-AE4A-B087-3B62A58365EE}"/>
+              </a:ext>
+            </a:extLst>
+          </p:cNvPr>
+          <p:cNvPicPr>
+            <a:picLocks noChangeAspect="1"/>
+          </p:cNvPicPr>
+          <p:nvPr/>
+        </p:nvPicPr>
+        <p:blipFill>
+          <a:blip r:embed="rId7"/>
+          <a:stretch>
+            <a:fillRect/>
+          </a:stretch>
+        </p:blipFill>
+        <p:spPr>
+          <a:xfrm>
+            <a:off x="6323040" y="4542713"/>
+            <a:ext cx="2281715" cy="1711286"/>
+          </a:xfrm>
+          <a:prstGeom prst="rect">
+            <a:avLst/>
+          </a:prstGeom>
+        </p:spPr>
+      </p:pic>
+      <p:pic>
+        <p:nvPicPr>
+          <p:cNvPr id="35" name="Imagen 34">
+            <a:extLst>
+              <a:ext uri="{FF2B5EF4-FFF2-40B4-BE49-F238E27FC236}">
+                <a16:creationId xmlns:a16="http://schemas.microsoft.com/office/drawing/2014/main" id="{EBA603A5-191D-E14A-8FC8-564E6F994809}"/>
+              </a:ext>
+            </a:extLst>
+          </p:cNvPr>
+          <p:cNvPicPr>
+            <a:picLocks noChangeAspect="1"/>
+          </p:cNvPicPr>
+          <p:nvPr/>
+        </p:nvPicPr>
+        <p:blipFill>
+          <a:blip r:embed="rId8"/>
+          <a:stretch>
+            <a:fillRect/>
+          </a:stretch>
+        </p:blipFill>
+        <p:spPr>
+          <a:xfrm>
+            <a:off x="10293849" y="4546295"/>
+            <a:ext cx="2281715" cy="1711286"/>
+          </a:xfrm>
+          <a:prstGeom prst="rect">
+            <a:avLst/>
+          </a:prstGeom>
+        </p:spPr>
+      </p:pic>
+      <p:grpSp>
+        <p:nvGrpSpPr>
+          <p:cNvPr id="40" name="Grupo 39">
+            <a:extLst>
+              <a:ext uri="{FF2B5EF4-FFF2-40B4-BE49-F238E27FC236}">
+                <a16:creationId xmlns:a16="http://schemas.microsoft.com/office/drawing/2014/main" id="{D436555A-14C5-DA4D-A9EE-8AC9614D1DDC}"/>
+              </a:ext>
+            </a:extLst>
+          </p:cNvPr>
+          <p:cNvGrpSpPr/>
+          <p:nvPr/>
+        </p:nvGrpSpPr>
+        <p:grpSpPr>
+          <a:xfrm>
+            <a:off x="3093258" y="5134170"/>
+            <a:ext cx="1395720" cy="468720"/>
+            <a:chOff x="3093258" y="5134170"/>
+            <a:chExt cx="1395720" cy="468720"/>
+          </a:xfrm>
+        </p:grpSpPr>
+        <mc:AlternateContent xmlns:mc="http://schemas.openxmlformats.org/markup-compatibility/2006">
+          <mc:Choice xmlns:p14="http://schemas.microsoft.com/office/powerpoint/2010/main" Requires="p14">
+            <p:contentPart p14:bwMode="auto" r:id="rId9">
+              <p14:nvContentPartPr>
+                <p14:cNvPr id="38" name="Entrada de lápiz 37">
+                  <a:extLst>
+                    <a:ext uri="{FF2B5EF4-FFF2-40B4-BE49-F238E27FC236}">
+                      <a16:creationId xmlns:a16="http://schemas.microsoft.com/office/drawing/2014/main" id="{0C836066-0F93-1D49-B964-D2AA9835ED19}"/>
+                    </a:ext>
+                  </a:extLst>
+                </p14:cNvPr>
+                <p14:cNvContentPartPr/>
+                <p14:nvPr/>
+              </p14:nvContentPartPr>
+              <p14:xfrm>
+                <a:off x="3093258" y="5134170"/>
+                <a:ext cx="1166400" cy="326880"/>
+              </p14:xfrm>
+            </p:contentPart>
+          </mc:Choice>
+          <mc:Fallback>
+            <p:pic>
+              <p:nvPicPr>
+                <p:cNvPr id="38" name="Entrada de lápiz 37">
+                  <a:extLst>
+                    <a:ext uri="{FF2B5EF4-FFF2-40B4-BE49-F238E27FC236}">
+                      <a16:creationId xmlns:a16="http://schemas.microsoft.com/office/drawing/2014/main" id="{0C836066-0F93-1D49-B964-D2AA9835ED19}"/>
+                    </a:ext>
+                  </a:extLst>
+                </p:cNvPr>
+                <p:cNvPicPr/>
+                <p:nvPr/>
+              </p:nvPicPr>
+              <p:blipFill>
+                <a:blip r:embed="rId10"/>
+                <a:stretch>
+                  <a:fillRect/>
+                </a:stretch>
+              </p:blipFill>
+              <p:spPr>
+                <a:xfrm>
+                  <a:off x="3075258" y="5116170"/>
+                  <a:ext cx="1202040" cy="362520"/>
+                </a:xfrm>
+                <a:prstGeom prst="rect">
+                  <a:avLst/>
+                </a:prstGeom>
+              </p:spPr>
+            </p:pic>
+          </mc:Fallback>
+        </mc:AlternateContent>
+        <mc:AlternateContent xmlns:mc="http://schemas.openxmlformats.org/markup-compatibility/2006">
+          <mc:Choice xmlns:p14="http://schemas.microsoft.com/office/powerpoint/2010/main" Requires="p14">
+            <p:contentPart p14:bwMode="auto" r:id="rId11">
+              <p14:nvContentPartPr>
+                <p14:cNvPr id="39" name="Entrada de lápiz 38">
+                  <a:extLst>
+                    <a:ext uri="{FF2B5EF4-FFF2-40B4-BE49-F238E27FC236}">
+                      <a16:creationId xmlns:a16="http://schemas.microsoft.com/office/drawing/2014/main" id="{2FDAFE98-4070-B542-B370-E43E05EE23D8}"/>
+                    </a:ext>
+                  </a:extLst>
+                </p14:cNvPr>
+                <p14:cNvContentPartPr/>
+                <p14:nvPr/>
+              </p14:nvContentPartPr>
+              <p14:xfrm>
+                <a:off x="4120338" y="5300130"/>
+                <a:ext cx="368640" cy="302760"/>
+              </p14:xfrm>
+            </p:contentPart>
+          </mc:Choice>
+          <mc:Fallback>
+            <p:pic>
+              <p:nvPicPr>
+                <p:cNvPr id="39" name="Entrada de lápiz 38">
+                  <a:extLst>
+                    <a:ext uri="{FF2B5EF4-FFF2-40B4-BE49-F238E27FC236}">
+                      <a16:creationId xmlns:a16="http://schemas.microsoft.com/office/drawing/2014/main" id="{2FDAFE98-4070-B542-B370-E43E05EE23D8}"/>
+                    </a:ext>
+                  </a:extLst>
+                </p:cNvPr>
+                <p:cNvPicPr/>
+                <p:nvPr/>
+              </p:nvPicPr>
+              <p:blipFill>
+                <a:blip r:embed="rId12"/>
+                <a:stretch>
+                  <a:fillRect/>
+                </a:stretch>
+              </p:blipFill>
+              <p:spPr>
+                <a:xfrm>
+                  <a:off x="4102338" y="5282130"/>
+                  <a:ext cx="404280" cy="338400"/>
+                </a:xfrm>
+                <a:prstGeom prst="rect">
+                  <a:avLst/>
+                </a:prstGeom>
+              </p:spPr>
+            </p:pic>
+          </mc:Fallback>
+        </mc:AlternateContent>
+      </p:grpSp>
     </p:spTree>
     <p:extLst>
       <p:ext uri="{BB962C8B-B14F-4D97-AF65-F5344CB8AC3E}">
